--- a/intrinsic image/five.pptx
+++ b/intrinsic image/five.pptx
@@ -116,6 +116,11 @@
       </a:defRPr>
     </a:lvl9pPr>
   </p:defaultTextStyle>
+  <p:extLst>
+    <p:ext uri="{EFAFB233-063F-42B5-8137-9DF3F51BA10A}">
+      <p15:sldGuideLst xmlns:p15="http://schemas.microsoft.com/office/powerpoint/2012/main"/>
+    </p:ext>
+  </p:extLst>
 </p:presentation>
 </file>
 
@@ -201,7 +206,7 @@
           <a:p>
             <a:fld id="{C7D8E3DB-CF64-4628-B975-991DDE5DDF21}" type="datetimeFigureOut">
               <a:rPr lang="zh-CN" altLang="en-US" smtClean="0"/>
-              <a:t>2019/4/24</a:t>
+              <a:t>2019/11/12</a:t>
             </a:fld>
             <a:endParaRPr lang="zh-CN" altLang="en-US"/>
           </a:p>
@@ -711,7 +716,7 @@
           <a:p>
             <a:fld id="{6E60F757-C549-4AE6-8272-A5684680A6BC}" type="datetimeFigureOut">
               <a:rPr lang="zh-CN" altLang="en-US" smtClean="0"/>
-              <a:t>2019/4/24</a:t>
+              <a:t>2019/11/12</a:t>
             </a:fld>
             <a:endParaRPr lang="zh-CN" altLang="en-US"/>
           </a:p>
@@ -909,7 +914,7 @@
           <a:p>
             <a:fld id="{6E60F757-C549-4AE6-8272-A5684680A6BC}" type="datetimeFigureOut">
               <a:rPr lang="zh-CN" altLang="en-US" smtClean="0"/>
-              <a:t>2019/4/24</a:t>
+              <a:t>2019/11/12</a:t>
             </a:fld>
             <a:endParaRPr lang="zh-CN" altLang="en-US"/>
           </a:p>
@@ -1117,7 +1122,7 @@
           <a:p>
             <a:fld id="{6E60F757-C549-4AE6-8272-A5684680A6BC}" type="datetimeFigureOut">
               <a:rPr lang="zh-CN" altLang="en-US" smtClean="0"/>
-              <a:t>2019/4/24</a:t>
+              <a:t>2019/11/12</a:t>
             </a:fld>
             <a:endParaRPr lang="zh-CN" altLang="en-US"/>
           </a:p>
@@ -1315,7 +1320,7 @@
           <a:p>
             <a:fld id="{6E60F757-C549-4AE6-8272-A5684680A6BC}" type="datetimeFigureOut">
               <a:rPr lang="zh-CN" altLang="en-US" smtClean="0"/>
-              <a:t>2019/4/24</a:t>
+              <a:t>2019/11/12</a:t>
             </a:fld>
             <a:endParaRPr lang="zh-CN" altLang="en-US"/>
           </a:p>
@@ -1590,7 +1595,7 @@
           <a:p>
             <a:fld id="{6E60F757-C549-4AE6-8272-A5684680A6BC}" type="datetimeFigureOut">
               <a:rPr lang="zh-CN" altLang="en-US" smtClean="0"/>
-              <a:t>2019/4/24</a:t>
+              <a:t>2019/11/12</a:t>
             </a:fld>
             <a:endParaRPr lang="zh-CN" altLang="en-US"/>
           </a:p>
@@ -1855,7 +1860,7 @@
           <a:p>
             <a:fld id="{6E60F757-C549-4AE6-8272-A5684680A6BC}" type="datetimeFigureOut">
               <a:rPr lang="zh-CN" altLang="en-US" smtClean="0"/>
-              <a:t>2019/4/24</a:t>
+              <a:t>2019/11/12</a:t>
             </a:fld>
             <a:endParaRPr lang="zh-CN" altLang="en-US"/>
           </a:p>
@@ -2267,7 +2272,7 @@
           <a:p>
             <a:fld id="{6E60F757-C549-4AE6-8272-A5684680A6BC}" type="datetimeFigureOut">
               <a:rPr lang="zh-CN" altLang="en-US" smtClean="0"/>
-              <a:t>2019/4/24</a:t>
+              <a:t>2019/11/12</a:t>
             </a:fld>
             <a:endParaRPr lang="zh-CN" altLang="en-US"/>
           </a:p>
@@ -2408,7 +2413,7 @@
           <a:p>
             <a:fld id="{6E60F757-C549-4AE6-8272-A5684680A6BC}" type="datetimeFigureOut">
               <a:rPr lang="zh-CN" altLang="en-US" smtClean="0"/>
-              <a:t>2019/4/24</a:t>
+              <a:t>2019/11/12</a:t>
             </a:fld>
             <a:endParaRPr lang="zh-CN" altLang="en-US"/>
           </a:p>
@@ -2521,7 +2526,7 @@
           <a:p>
             <a:fld id="{6E60F757-C549-4AE6-8272-A5684680A6BC}" type="datetimeFigureOut">
               <a:rPr lang="zh-CN" altLang="en-US" smtClean="0"/>
-              <a:t>2019/4/24</a:t>
+              <a:t>2019/11/12</a:t>
             </a:fld>
             <a:endParaRPr lang="zh-CN" altLang="en-US"/>
           </a:p>
@@ -2832,7 +2837,7 @@
           <a:p>
             <a:fld id="{6E60F757-C549-4AE6-8272-A5684680A6BC}" type="datetimeFigureOut">
               <a:rPr lang="zh-CN" altLang="en-US" smtClean="0"/>
-              <a:t>2019/4/24</a:t>
+              <a:t>2019/11/12</a:t>
             </a:fld>
             <a:endParaRPr lang="zh-CN" altLang="en-US"/>
           </a:p>
@@ -3120,7 +3125,7 @@
           <a:p>
             <a:fld id="{6E60F757-C549-4AE6-8272-A5684680A6BC}" type="datetimeFigureOut">
               <a:rPr lang="zh-CN" altLang="en-US" smtClean="0"/>
-              <a:t>2019/4/24</a:t>
+              <a:t>2019/11/12</a:t>
             </a:fld>
             <a:endParaRPr lang="zh-CN" altLang="en-US"/>
           </a:p>
@@ -3361,7 +3366,7 @@
           <a:p>
             <a:fld id="{6E60F757-C549-4AE6-8272-A5684680A6BC}" type="datetimeFigureOut">
               <a:rPr lang="zh-CN" altLang="en-US" smtClean="0"/>
-              <a:t>2019/4/24</a:t>
+              <a:t>2019/11/12</a:t>
             </a:fld>
             <a:endParaRPr lang="zh-CN" altLang="en-US"/>
           </a:p>
@@ -3800,11 +3805,18 @@
           <a:lstStyle/>
           <a:p>
             <a:r>
+              <a:rPr lang="zh-CN" altLang="en-US">
+                <a:latin typeface="楷体" panose="02010609060101010101" pitchFamily="49" charset="-122"/>
+                <a:ea typeface="楷体" panose="02010609060101010101" pitchFamily="49" charset="-122"/>
+              </a:rPr>
+              <a:t>本征像</a:t>
+            </a:r>
+            <a:r>
               <a:rPr lang="zh-CN" altLang="en-US" dirty="0">
                 <a:latin typeface="楷体" panose="02010609060101010101" pitchFamily="49" charset="-122"/>
                 <a:ea typeface="楷体" panose="02010609060101010101" pitchFamily="49" charset="-122"/>
               </a:rPr>
-              <a:t>本质图像论文汇报（五）</a:t>
+              <a:t>论文汇报（五）</a:t>
             </a:r>
             <a:endParaRPr lang="zh-CN" altLang="en-US" dirty="0"/>
           </a:p>
@@ -4653,8 +4665,8 @@
           </a:p>
         </p:txBody>
       </p:sp>
-      <mc:AlternateContent xmlns:mc="http://schemas.openxmlformats.org/markup-compatibility/2006">
-        <mc:Choice xmlns:a14="http://schemas.microsoft.com/office/drawing/2010/main" Requires="a14">
+      <mc:AlternateContent xmlns:mc="http://schemas.openxmlformats.org/markup-compatibility/2006" xmlns:a14="http://schemas.microsoft.com/office/drawing/2010/main">
+        <mc:Choice Requires="a14">
           <p:sp>
             <p:nvSpPr>
               <p:cNvPr id="6" name="矩形 5">
@@ -4745,7 +4757,7 @@
             </p:txBody>
           </p:sp>
         </mc:Choice>
-        <mc:Fallback>
+        <mc:Fallback xmlns="">
           <p:sp>
             <p:nvSpPr>
               <p:cNvPr id="6" name="矩形 5">
